--- a/plant_pangenome/Figures/Figure5.pptx
+++ b/plant_pangenome/Figures/Figure5.pptx
@@ -254,7 +254,7 @@
           <a:p>
             <a:fld id="{92105F4A-1DB2-4038-B32F-24D8F411F337}" type="datetimeFigureOut">
               <a:rPr lang="es-ES" smtClean="0"/>
-              <a:t>18/02/2021</a:t>
+              <a:t>02/03/2021</a:t>
             </a:fld>
             <a:endParaRPr lang="es-ES"/>
           </a:p>
@@ -424,7 +424,7 @@
           <a:p>
             <a:fld id="{92105F4A-1DB2-4038-B32F-24D8F411F337}" type="datetimeFigureOut">
               <a:rPr lang="es-ES" smtClean="0"/>
-              <a:t>18/02/2021</a:t>
+              <a:t>02/03/2021</a:t>
             </a:fld>
             <a:endParaRPr lang="es-ES"/>
           </a:p>
@@ -604,7 +604,7 @@
           <a:p>
             <a:fld id="{92105F4A-1DB2-4038-B32F-24D8F411F337}" type="datetimeFigureOut">
               <a:rPr lang="es-ES" smtClean="0"/>
-              <a:t>18/02/2021</a:t>
+              <a:t>02/03/2021</a:t>
             </a:fld>
             <a:endParaRPr lang="es-ES"/>
           </a:p>
@@ -774,7 +774,7 @@
           <a:p>
             <a:fld id="{92105F4A-1DB2-4038-B32F-24D8F411F337}" type="datetimeFigureOut">
               <a:rPr lang="es-ES" smtClean="0"/>
-              <a:t>18/02/2021</a:t>
+              <a:t>02/03/2021</a:t>
             </a:fld>
             <a:endParaRPr lang="es-ES"/>
           </a:p>
@@ -1018,7 +1018,7 @@
           <a:p>
             <a:fld id="{92105F4A-1DB2-4038-B32F-24D8F411F337}" type="datetimeFigureOut">
               <a:rPr lang="es-ES" smtClean="0"/>
-              <a:t>18/02/2021</a:t>
+              <a:t>02/03/2021</a:t>
             </a:fld>
             <a:endParaRPr lang="es-ES"/>
           </a:p>
@@ -1250,7 +1250,7 @@
           <a:p>
             <a:fld id="{92105F4A-1DB2-4038-B32F-24D8F411F337}" type="datetimeFigureOut">
               <a:rPr lang="es-ES" smtClean="0"/>
-              <a:t>18/02/2021</a:t>
+              <a:t>02/03/2021</a:t>
             </a:fld>
             <a:endParaRPr lang="es-ES"/>
           </a:p>
@@ -1617,7 +1617,7 @@
           <a:p>
             <a:fld id="{92105F4A-1DB2-4038-B32F-24D8F411F337}" type="datetimeFigureOut">
               <a:rPr lang="es-ES" smtClean="0"/>
-              <a:t>18/02/2021</a:t>
+              <a:t>02/03/2021</a:t>
             </a:fld>
             <a:endParaRPr lang="es-ES"/>
           </a:p>
@@ -1735,7 +1735,7 @@
           <a:p>
             <a:fld id="{92105F4A-1DB2-4038-B32F-24D8F411F337}" type="datetimeFigureOut">
               <a:rPr lang="es-ES" smtClean="0"/>
-              <a:t>18/02/2021</a:t>
+              <a:t>02/03/2021</a:t>
             </a:fld>
             <a:endParaRPr lang="es-ES"/>
           </a:p>
@@ -1830,7 +1830,7 @@
           <a:p>
             <a:fld id="{92105F4A-1DB2-4038-B32F-24D8F411F337}" type="datetimeFigureOut">
               <a:rPr lang="es-ES" smtClean="0"/>
-              <a:t>18/02/2021</a:t>
+              <a:t>02/03/2021</a:t>
             </a:fld>
             <a:endParaRPr lang="es-ES"/>
           </a:p>
@@ -2107,7 +2107,7 @@
           <a:p>
             <a:fld id="{92105F4A-1DB2-4038-B32F-24D8F411F337}" type="datetimeFigureOut">
               <a:rPr lang="es-ES" smtClean="0"/>
-              <a:t>18/02/2021</a:t>
+              <a:t>02/03/2021</a:t>
             </a:fld>
             <a:endParaRPr lang="es-ES"/>
           </a:p>
@@ -2364,7 +2364,7 @@
           <a:p>
             <a:fld id="{92105F4A-1DB2-4038-B32F-24D8F411F337}" type="datetimeFigureOut">
               <a:rPr lang="es-ES" smtClean="0"/>
-              <a:t>18/02/2021</a:t>
+              <a:t>02/03/2021</a:t>
             </a:fld>
             <a:endParaRPr lang="es-ES"/>
           </a:p>
@@ -2577,7 +2577,7 @@
           <a:p>
             <a:fld id="{92105F4A-1DB2-4038-B32F-24D8F411F337}" type="datetimeFigureOut">
               <a:rPr lang="es-ES" smtClean="0"/>
-              <a:t>18/02/2021</a:t>
+              <a:t>02/03/2021</a:t>
             </a:fld>
             <a:endParaRPr lang="es-ES"/>
           </a:p>
@@ -3008,64 +3008,31 @@
               <a:rPr lang="es-ES" sz="1050" b="1" dirty="0">
                 <a:latin typeface="Consolas" panose="020B0609020204030204" pitchFamily="49" charset="0"/>
               </a:rPr>
-              <a:t>     </a:t>
-            </a:r>
-            <a:r>
-              <a:rPr lang="es-ES" sz="1050" b="1" dirty="0">
-                <a:latin typeface="Consolas" panose="020B0609020204030204" pitchFamily="49" charset="0"/>
-              </a:rPr>
-              <a:t>ACTGGCTTTGCACAGTGACTTGTGTGTGTACAAAATCGGC</a:t>
-            </a:r>
-            <a:endParaRPr lang="es-ES" sz="1050" b="1" dirty="0">
-              <a:latin typeface="Consolas" panose="020B0609020204030204" pitchFamily="49" charset="0"/>
-            </a:endParaRPr>
-          </a:p>
-          <a:p>
-            <a:r>
-              <a:rPr lang="es-ES" sz="1050" b="1" dirty="0">
-                <a:latin typeface="Consolas" panose="020B0609020204030204" pitchFamily="49" charset="0"/>
-              </a:rPr>
-              <a:t>     </a:t>
-            </a:r>
-            <a:r>
-              <a:rPr lang="es-ES" sz="1050" b="1" dirty="0">
-                <a:latin typeface="Consolas" panose="020B0609020204030204" pitchFamily="49" charset="0"/>
-              </a:rPr>
-              <a:t>ACTGGCTTTGCACAGTGACTTGTGTGTGTACAAAATCGGC</a:t>
-            </a:r>
-            <a:endParaRPr lang="es-ES" sz="1050" b="1" dirty="0">
-              <a:latin typeface="Consolas" panose="020B0609020204030204" pitchFamily="49" charset="0"/>
-            </a:endParaRPr>
-          </a:p>
-          <a:p>
-            <a:r>
-              <a:rPr lang="es-ES" sz="1050" b="1" dirty="0">
-                <a:latin typeface="Consolas" panose="020B0609020204030204" pitchFamily="49" charset="0"/>
-              </a:rPr>
-              <a:t>     </a:t>
-            </a:r>
-            <a:r>
-              <a:rPr lang="es-ES" sz="1050" b="1" dirty="0">
-                <a:latin typeface="Consolas" panose="020B0609020204030204" pitchFamily="49" charset="0"/>
-              </a:rPr>
-              <a:t>ACTGGCTTTGCACAGTGACTTGTGTGTGTACAAAATCGGC</a:t>
-            </a:r>
-            <a:endParaRPr lang="es-ES" sz="1050" b="1" dirty="0">
-              <a:latin typeface="Consolas" panose="020B0609020204030204" pitchFamily="49" charset="0"/>
-            </a:endParaRPr>
-          </a:p>
-          <a:p>
-            <a:r>
-              <a:rPr lang="es-ES" sz="1050" b="1" dirty="0">
-                <a:latin typeface="Consolas" panose="020B0609020204030204" pitchFamily="49" charset="0"/>
-              </a:rPr>
-              <a:t>     </a:t>
-            </a:r>
-            <a:r>
-              <a:rPr lang="es-ES" sz="1050" b="1" dirty="0">
-                <a:latin typeface="Consolas" panose="020B0609020204030204" pitchFamily="49" charset="0"/>
-              </a:rPr>
-              <a:t>ACTGGCTTTGCA</a:t>
+              <a:t>     ACTGGCTTTGCACAGTGACTTGTGTGTGTACAAAATCGGC</a:t>
+            </a:r>
+          </a:p>
+          <a:p>
+            <a:r>
+              <a:rPr lang="es-ES" sz="1050" b="1" dirty="0">
+                <a:latin typeface="Consolas" panose="020B0609020204030204" pitchFamily="49" charset="0"/>
+              </a:rPr>
+              <a:t>     ACTGGCTTTGCACAGTGACTTGTGTGTGTACAAAATCGGC</a:t>
+            </a:r>
+          </a:p>
+          <a:p>
+            <a:r>
+              <a:rPr lang="es-ES" sz="1050" b="1" dirty="0">
+                <a:latin typeface="Consolas" panose="020B0609020204030204" pitchFamily="49" charset="0"/>
+              </a:rPr>
+              <a:t>     ACTGGCTTTGCACAGTGACTTGTGTGTGTACAAAATCGGC</a:t>
+            </a:r>
+          </a:p>
+          <a:p>
+            <a:r>
+              <a:rPr lang="es-ES" sz="1050" b="1" dirty="0">
+                <a:latin typeface="Consolas" panose="020B0609020204030204" pitchFamily="49" charset="0"/>
+              </a:rPr>
+              <a:t>     ACTGGCTTTGCA</a:t>
             </a:r>
             <a:r>
               <a:rPr lang="es-ES" sz="1050" b="1" dirty="0">
@@ -3097,22 +3064,13 @@
               </a:rPr>
               <a:t>CTTG</a:t>
             </a:r>
-            <a:endParaRPr lang="es-ES" sz="1050" b="1" dirty="0">
-              <a:latin typeface="Consolas" panose="020B0609020204030204" pitchFamily="49" charset="0"/>
-            </a:endParaRPr>
-          </a:p>
-          <a:p>
-            <a:r>
-              <a:rPr lang="es-ES" sz="1050" b="1" dirty="0">
-                <a:latin typeface="Consolas" panose="020B0609020204030204" pitchFamily="49" charset="0"/>
-              </a:rPr>
-              <a:t>                </a:t>
-            </a:r>
-            <a:r>
-              <a:rPr lang="es-ES" sz="1050" b="1" dirty="0">
-                <a:latin typeface="Consolas" panose="020B0609020204030204" pitchFamily="49" charset="0"/>
-              </a:rPr>
-              <a:t>A</a:t>
+          </a:p>
+          <a:p>
+            <a:r>
+              <a:rPr lang="es-ES" sz="1050" b="1" dirty="0">
+                <a:latin typeface="Consolas" panose="020B0609020204030204" pitchFamily="49" charset="0"/>
+              </a:rPr>
+              <a:t>                A</a:t>
             </a:r>
             <a:r>
               <a:rPr lang="es-ES" sz="1050" b="1" dirty="0">
@@ -3159,22 +3117,13 @@
               </a:rPr>
               <a:t>CAAAATCGGC</a:t>
             </a:r>
-            <a:endParaRPr lang="es-ES" sz="1050" b="1" dirty="0">
-              <a:latin typeface="Consolas" panose="020B0609020204030204" pitchFamily="49" charset="0"/>
-            </a:endParaRPr>
-          </a:p>
-          <a:p>
-            <a:r>
-              <a:rPr lang="es-ES" sz="1050" b="1" dirty="0">
-                <a:latin typeface="Consolas" panose="020B0609020204030204" pitchFamily="49" charset="0"/>
-              </a:rPr>
-              <a:t>             </a:t>
-            </a:r>
-            <a:r>
-              <a:rPr lang="es-ES" sz="1050" b="1" dirty="0">
-                <a:latin typeface="Consolas" panose="020B0609020204030204" pitchFamily="49" charset="0"/>
-              </a:rPr>
-              <a:t>TGCA</a:t>
+          </a:p>
+          <a:p>
+            <a:r>
+              <a:rPr lang="es-ES" sz="1050" b="1" dirty="0">
+                <a:latin typeface="Consolas" panose="020B0609020204030204" pitchFamily="49" charset="0"/>
+              </a:rPr>
+              <a:t>             TGCA</a:t>
             </a:r>
             <a:r>
               <a:rPr lang="es-ES" sz="1050" b="1" dirty="0">
@@ -3206,9 +3155,6 @@
               </a:rPr>
               <a:t>GTGTGTACAAAATCG</a:t>
             </a:r>
-            <a:endParaRPr lang="es-ES" sz="1050" b="1" dirty="0">
-              <a:latin typeface="Consolas" panose="020B0609020204030204" pitchFamily="49" charset="0"/>
-            </a:endParaRPr>
           </a:p>
           <a:p>
             <a:r>
@@ -3249,64 +3195,31 @@
               <a:rPr lang="es-ES" sz="1050" b="1" dirty="0">
                 <a:latin typeface="Consolas" panose="020B0609020204030204" pitchFamily="49" charset="0"/>
               </a:rPr>
-              <a:t>     </a:t>
-            </a:r>
-            <a:r>
-              <a:rPr lang="es-ES" sz="1050" b="1" dirty="0">
-                <a:latin typeface="Consolas" panose="020B0609020204030204" pitchFamily="49" charset="0"/>
-              </a:rPr>
-              <a:t>ACTGGCTTTGCACAGTGACTTGTGTGTGTACAAAATCGGC</a:t>
-            </a:r>
-            <a:endParaRPr lang="es-ES" sz="1050" b="1" dirty="0">
-              <a:latin typeface="Consolas" panose="020B0609020204030204" pitchFamily="49" charset="0"/>
-            </a:endParaRPr>
-          </a:p>
-          <a:p>
-            <a:r>
-              <a:rPr lang="es-ES" sz="1050" b="1" dirty="0">
-                <a:latin typeface="Consolas" panose="020B0609020204030204" pitchFamily="49" charset="0"/>
-              </a:rPr>
-              <a:t>     </a:t>
-            </a:r>
-            <a:r>
-              <a:rPr lang="es-ES" sz="1050" b="1" dirty="0">
-                <a:latin typeface="Consolas" panose="020B0609020204030204" pitchFamily="49" charset="0"/>
-              </a:rPr>
-              <a:t>ACTGGCTTTGCACAGTGACTTGTGTGTGTACAAAATCGGC</a:t>
-            </a:r>
-            <a:endParaRPr lang="es-ES" sz="1050" b="1" dirty="0">
-              <a:latin typeface="Consolas" panose="020B0609020204030204" pitchFamily="49" charset="0"/>
-            </a:endParaRPr>
-          </a:p>
-          <a:p>
-            <a:r>
-              <a:rPr lang="es-ES" sz="1050" b="1" dirty="0">
-                <a:latin typeface="Consolas" panose="020B0609020204030204" pitchFamily="49" charset="0"/>
-              </a:rPr>
-              <a:t>     </a:t>
-            </a:r>
-            <a:r>
-              <a:rPr lang="es-ES" sz="1050" b="1" dirty="0">
-                <a:latin typeface="Consolas" panose="020B0609020204030204" pitchFamily="49" charset="0"/>
-              </a:rPr>
-              <a:t>ACTGGCTTTGCACAGTGACTTGTGTGTGTACAAAATCGGC</a:t>
-            </a:r>
-            <a:endParaRPr lang="es-ES" sz="1050" b="1" dirty="0">
-              <a:latin typeface="Consolas" panose="020B0609020204030204" pitchFamily="49" charset="0"/>
-            </a:endParaRPr>
-          </a:p>
-          <a:p>
-            <a:r>
-              <a:rPr lang="es-ES" sz="1050" b="1" dirty="0">
-                <a:latin typeface="Consolas" panose="020B0609020204030204" pitchFamily="49" charset="0"/>
-              </a:rPr>
-              <a:t>   </a:t>
-            </a:r>
-            <a:r>
-              <a:rPr lang="es-ES" sz="1050" b="1" dirty="0">
-                <a:latin typeface="Consolas" panose="020B0609020204030204" pitchFamily="49" charset="0"/>
-              </a:rPr>
-              <a:t>  ACTGGCTTTGCA</a:t>
+              <a:t>     ACTGGCTTTGCACAGTGACTTGTGTGTGTACAAAATCGGC</a:t>
+            </a:r>
+          </a:p>
+          <a:p>
+            <a:r>
+              <a:rPr lang="es-ES" sz="1050" b="1" dirty="0">
+                <a:latin typeface="Consolas" panose="020B0609020204030204" pitchFamily="49" charset="0"/>
+              </a:rPr>
+              <a:t>     ACTGGCTTTGCACAGTGACTTGTGTGTGTACAAAATCGGC</a:t>
+            </a:r>
+          </a:p>
+          <a:p>
+            <a:r>
+              <a:rPr lang="es-ES" sz="1050" b="1" dirty="0">
+                <a:latin typeface="Consolas" panose="020B0609020204030204" pitchFamily="49" charset="0"/>
+              </a:rPr>
+              <a:t>     ACTGGCTTTGCACAGTGACTTGTGTGTGTACAAAATCGGC</a:t>
+            </a:r>
+          </a:p>
+          <a:p>
+            <a:r>
+              <a:rPr lang="es-ES" sz="1050" b="1" dirty="0">
+                <a:latin typeface="Consolas" panose="020B0609020204030204" pitchFamily="49" charset="0"/>
+              </a:rPr>
+              <a:t>     ACTGGCTTTGCA</a:t>
             </a:r>
             <a:r>
               <a:rPr lang="es-ES" sz="1050" b="1" dirty="0">
@@ -3353,22 +3266,13 @@
               </a:rPr>
               <a:t>CAAAATCGGC</a:t>
             </a:r>
-            <a:endParaRPr lang="es-ES" sz="1050" b="1" dirty="0">
-              <a:latin typeface="Consolas" panose="020B0609020204030204" pitchFamily="49" charset="0"/>
-            </a:endParaRPr>
-          </a:p>
-          <a:p>
-            <a:r>
-              <a:rPr lang="es-ES" sz="1050" b="1" dirty="0">
-                <a:latin typeface="Consolas" panose="020B0609020204030204" pitchFamily="49" charset="0"/>
-              </a:rPr>
-              <a:t>      </a:t>
-            </a:r>
-            <a:r>
-              <a:rPr lang="es-ES" sz="1050" b="1" dirty="0">
-                <a:latin typeface="Consolas" panose="020B0609020204030204" pitchFamily="49" charset="0"/>
-              </a:rPr>
-              <a:t>       TGCA</a:t>
+          </a:p>
+          <a:p>
+            <a:r>
+              <a:rPr lang="es-ES" sz="1050" b="1" dirty="0">
+                <a:latin typeface="Consolas" panose="020B0609020204030204" pitchFamily="49" charset="0"/>
+              </a:rPr>
+              <a:t>             TGCA</a:t>
             </a:r>
             <a:r>
               <a:rPr lang="es-ES" sz="1050" b="1" dirty="0">
@@ -3400,9 +3304,6 @@
               </a:rPr>
               <a:t>GTGTGTACAAAATCG</a:t>
             </a:r>
-            <a:endParaRPr lang="es-ES" sz="1050" b="1" dirty="0">
-              <a:latin typeface="Consolas" panose="020B0609020204030204" pitchFamily="49" charset="0"/>
-            </a:endParaRPr>
           </a:p>
           <a:p>
             <a:r>
@@ -4038,9 +3939,6 @@
               </a:rPr>
               <a:t>ACTGGCTTTGCACAGTGACTTGTGTGTGTACAAAATCGGC</a:t>
             </a:r>
-            <a:endParaRPr lang="es-ES" sz="1050" b="1" dirty="0">
-              <a:latin typeface="Consolas" panose="020B0609020204030204" pitchFamily="49" charset="0"/>
-            </a:endParaRPr>
           </a:p>
           <a:p>
             <a:r>
@@ -4049,9 +3947,6 @@
               </a:rPr>
               <a:t>ACTGGCTTTGCACAGTGACTTGTGTGTGTACAAAATCGGC</a:t>
             </a:r>
-            <a:endParaRPr lang="es-ES" sz="1050" b="1" dirty="0">
-              <a:latin typeface="Consolas" panose="020B0609020204030204" pitchFamily="49" charset="0"/>
-            </a:endParaRPr>
           </a:p>
           <a:p>
             <a:r>
@@ -4060,9 +3955,6 @@
               </a:rPr>
               <a:t>ACTGGCTTTGCACAGTGACTTGTGTGTGTACAAAATCGGC</a:t>
             </a:r>
-            <a:endParaRPr lang="es-ES" sz="1050" b="1" dirty="0">
-              <a:latin typeface="Consolas" panose="020B0609020204030204" pitchFamily="49" charset="0"/>
-            </a:endParaRPr>
           </a:p>
           <a:p>
             <a:r>
@@ -4101,22 +3993,13 @@
               </a:rPr>
               <a:t>CTTG</a:t>
             </a:r>
-            <a:endParaRPr lang="es-ES" sz="1050" b="1" dirty="0">
-              <a:latin typeface="Consolas" panose="020B0609020204030204" pitchFamily="49" charset="0"/>
-            </a:endParaRPr>
-          </a:p>
-          <a:p>
-            <a:r>
-              <a:rPr lang="es-ES" sz="1050" b="1" dirty="0">
-                <a:latin typeface="Consolas" panose="020B0609020204030204" pitchFamily="49" charset="0"/>
-              </a:rPr>
-              <a:t> </a:t>
-            </a:r>
-            <a:r>
-              <a:rPr lang="es-ES" sz="1050" b="1" dirty="0">
-                <a:latin typeface="Consolas" panose="020B0609020204030204" pitchFamily="49" charset="0"/>
-              </a:rPr>
-              <a:t>          A</a:t>
+          </a:p>
+          <a:p>
+            <a:r>
+              <a:rPr lang="es-ES" sz="1050" b="1" dirty="0">
+                <a:latin typeface="Consolas" panose="020B0609020204030204" pitchFamily="49" charset="0"/>
+              </a:rPr>
+              <a:t>           A</a:t>
             </a:r>
             <a:r>
               <a:rPr lang="es-ES" sz="1050" b="1" dirty="0">
@@ -4642,176 +4525,173 @@
               </a:rPr>
               <a:t>            ACTGGCTTTGCACAGTGACTTGTGTGTGTACAAAATCGGC</a:t>
             </a:r>
+          </a:p>
+          <a:p>
+            <a:r>
+              <a:rPr lang="es-ES" sz="1050" b="1" dirty="0">
+                <a:latin typeface="Consolas" panose="020B0609020204030204" pitchFamily="49" charset="0"/>
+              </a:rPr>
+              <a:t>            ACTGGCTTTGCACAGTGACTTGTGTGTGTACAAAATCGGC</a:t>
+            </a:r>
+          </a:p>
+          <a:p>
+            <a:r>
+              <a:rPr lang="es-ES" sz="1050" b="1" dirty="0">
+                <a:latin typeface="Consolas" panose="020B0609020204030204" pitchFamily="49" charset="0"/>
+              </a:rPr>
+              <a:t>            ACTGGCTTTGCACAGTGACTTGTGTGTGTACAAAATCGGC</a:t>
+            </a:r>
+          </a:p>
+          <a:p>
+            <a:r>
+              <a:rPr lang="es-ES" sz="1050" b="1" dirty="0">
+                <a:latin typeface="Consolas" panose="020B0609020204030204" pitchFamily="49" charset="0"/>
+              </a:rPr>
+              <a:t>            ACTGGCTTTGCA</a:t>
+            </a:r>
+            <a:r>
+              <a:rPr lang="es-ES" sz="1050" b="1" dirty="0">
+                <a:solidFill>
+                  <a:srgbClr val="FF0000"/>
+                </a:solidFill>
+                <a:latin typeface="Consolas" panose="020B0609020204030204" pitchFamily="49" charset="0"/>
+              </a:rPr>
+              <a:t>G</a:t>
+            </a:r>
+            <a:r>
+              <a:rPr lang="es-ES" sz="1050" b="1" dirty="0">
+                <a:latin typeface="Consolas" panose="020B0609020204030204" pitchFamily="49" charset="0"/>
+              </a:rPr>
+              <a:t>AGTG</a:t>
+            </a:r>
+            <a:r>
+              <a:rPr lang="es-ES" sz="1050" b="1" dirty="0">
+                <a:solidFill>
+                  <a:srgbClr val="FF0000"/>
+                </a:solidFill>
+                <a:latin typeface="Consolas" panose="020B0609020204030204" pitchFamily="49" charset="0"/>
+              </a:rPr>
+              <a:t>T</a:t>
+            </a:r>
+            <a:r>
+              <a:rPr lang="es-ES" sz="1050" b="1" dirty="0">
+                <a:latin typeface="Consolas" panose="020B0609020204030204" pitchFamily="49" charset="0"/>
+              </a:rPr>
+              <a:t>CTTG</a:t>
+            </a:r>
+          </a:p>
+          <a:p>
+            <a:r>
+              <a:rPr lang="es-ES" sz="1050" b="1" dirty="0">
+                <a:latin typeface="Consolas" panose="020B0609020204030204" pitchFamily="49" charset="0"/>
+              </a:rPr>
+              <a:t>                       A</a:t>
+            </a:r>
+            <a:r>
+              <a:rPr lang="es-ES" sz="1050" b="1" dirty="0">
+                <a:solidFill>
+                  <a:srgbClr val="FF0000"/>
+                </a:solidFill>
+                <a:latin typeface="Consolas" panose="020B0609020204030204" pitchFamily="49" charset="0"/>
+              </a:rPr>
+              <a:t>G</a:t>
+            </a:r>
+            <a:r>
+              <a:rPr lang="es-ES" sz="1050" b="1" dirty="0">
+                <a:latin typeface="Consolas" panose="020B0609020204030204" pitchFamily="49" charset="0"/>
+              </a:rPr>
+              <a:t>AGTG</a:t>
+            </a:r>
+            <a:r>
+              <a:rPr lang="es-ES" sz="1050" b="1" dirty="0">
+                <a:solidFill>
+                  <a:srgbClr val="FF0000"/>
+                </a:solidFill>
+                <a:latin typeface="Consolas" panose="020B0609020204030204" pitchFamily="49" charset="0"/>
+              </a:rPr>
+              <a:t>T</a:t>
+            </a:r>
+            <a:r>
+              <a:rPr lang="es-ES" sz="1050" b="1" dirty="0">
+                <a:latin typeface="Consolas" panose="020B0609020204030204" pitchFamily="49" charset="0"/>
+              </a:rPr>
+              <a:t>CTTGTGTGTGT</a:t>
+            </a:r>
+            <a:r>
+              <a:rPr lang="es-ES" sz="1050" b="1" dirty="0">
+                <a:solidFill>
+                  <a:srgbClr val="FF0000"/>
+                </a:solidFill>
+                <a:latin typeface="Consolas" panose="020B0609020204030204" pitchFamily="49" charset="0"/>
+              </a:rPr>
+              <a:t>C</a:t>
+            </a:r>
+            <a:r>
+              <a:rPr lang="es-ES" sz="1050" b="1" dirty="0">
+                <a:latin typeface="Consolas" panose="020B0609020204030204" pitchFamily="49" charset="0"/>
+              </a:rPr>
+              <a:t>CAAAATCGGC</a:t>
+            </a:r>
+          </a:p>
+          <a:p>
+            <a:r>
+              <a:rPr lang="es-ES" sz="1050" b="1" dirty="0">
+                <a:latin typeface="Consolas" panose="020B0609020204030204" pitchFamily="49" charset="0"/>
+              </a:rPr>
+              <a:t>                    </a:t>
+            </a:r>
+            <a:r>
+              <a:rPr lang="es-ES" sz="1050" b="1" dirty="0" smtClean="0">
+                <a:latin typeface="Consolas" panose="020B0609020204030204" pitchFamily="49" charset="0"/>
+              </a:rPr>
+              <a:t>TGCA</a:t>
+            </a:r>
+            <a:r>
+              <a:rPr lang="es-ES" sz="1050" b="1" dirty="0" smtClean="0">
+                <a:solidFill>
+                  <a:srgbClr val="FF0000"/>
+                </a:solidFill>
+                <a:latin typeface="Consolas" panose="020B0609020204030204" pitchFamily="49" charset="0"/>
+              </a:rPr>
+              <a:t>G</a:t>
+            </a:r>
+            <a:r>
+              <a:rPr lang="es-ES" sz="1050" b="1" dirty="0" smtClean="0">
+                <a:latin typeface="Consolas" panose="020B0609020204030204" pitchFamily="49" charset="0"/>
+              </a:rPr>
+              <a:t>AGTGACTTG</a:t>
+            </a:r>
+            <a:r>
+              <a:rPr lang="es-ES" sz="1050" b="1" dirty="0" smtClean="0">
+                <a:solidFill>
+                  <a:srgbClr val="FF0000"/>
+                </a:solidFill>
+                <a:latin typeface="Consolas" panose="020B0609020204030204" pitchFamily="49" charset="0"/>
+              </a:rPr>
+              <a:t>A</a:t>
+            </a:r>
+            <a:r>
+              <a:rPr lang="es-ES" sz="1050" b="1" dirty="0" smtClean="0">
+                <a:latin typeface="Consolas" panose="020B0609020204030204" pitchFamily="49" charset="0"/>
+              </a:rPr>
+              <a:t>GTGTGTACAAAATCG</a:t>
+            </a:r>
             <a:endParaRPr lang="es-ES" sz="1050" b="1" dirty="0">
               <a:latin typeface="Consolas" panose="020B0609020204030204" pitchFamily="49" charset="0"/>
             </a:endParaRPr>
           </a:p>
           <a:p>
             <a:r>
-              <a:rPr lang="es-ES" sz="1050" b="1" dirty="0">
-                <a:latin typeface="Consolas" panose="020B0609020204030204" pitchFamily="49" charset="0"/>
-              </a:rPr>
-              <a:t>            ACTGGCTTTGCACAGTGACTTGTGTGTGTACAAAATCGGC</a:t>
-            </a:r>
-            <a:endParaRPr lang="es-ES" sz="1050" b="1" dirty="0">
-              <a:latin typeface="Consolas" panose="020B0609020204030204" pitchFamily="49" charset="0"/>
-            </a:endParaRPr>
-          </a:p>
-          <a:p>
-            <a:r>
-              <a:rPr lang="es-ES" sz="1050" b="1" dirty="0">
-                <a:latin typeface="Consolas" panose="020B0609020204030204" pitchFamily="49" charset="0"/>
-              </a:rPr>
-              <a:t>            ACTGGCTTTGCACAGTGACTTGTGTGTGTACAAAATCGGC</a:t>
-            </a:r>
-            <a:endParaRPr lang="es-ES" sz="1050" b="1" dirty="0">
-              <a:latin typeface="Consolas" panose="020B0609020204030204" pitchFamily="49" charset="0"/>
-            </a:endParaRPr>
-          </a:p>
-          <a:p>
-            <a:r>
-              <a:rPr lang="es-ES" sz="1050" b="1" dirty="0">
-                <a:latin typeface="Consolas" panose="020B0609020204030204" pitchFamily="49" charset="0"/>
-              </a:rPr>
-              <a:t>            ACTGGCTTTGCA</a:t>
-            </a:r>
-            <a:r>
-              <a:rPr lang="es-ES" sz="1050" b="1" dirty="0">
-                <a:solidFill>
-                  <a:srgbClr val="FF0000"/>
-                </a:solidFill>
-                <a:latin typeface="Consolas" panose="020B0609020204030204" pitchFamily="49" charset="0"/>
-              </a:rPr>
-              <a:t>G</a:t>
-            </a:r>
-            <a:r>
-              <a:rPr lang="es-ES" sz="1050" b="1" dirty="0">
-                <a:latin typeface="Consolas" panose="020B0609020204030204" pitchFamily="49" charset="0"/>
-              </a:rPr>
-              <a:t>AGTG</a:t>
-            </a:r>
-            <a:r>
-              <a:rPr lang="es-ES" sz="1050" b="1" dirty="0">
-                <a:solidFill>
-                  <a:srgbClr val="FF0000"/>
-                </a:solidFill>
-                <a:latin typeface="Consolas" panose="020B0609020204030204" pitchFamily="49" charset="0"/>
-              </a:rPr>
-              <a:t>T</a:t>
-            </a:r>
-            <a:r>
-              <a:rPr lang="es-ES" sz="1050" b="1" dirty="0">
-                <a:latin typeface="Consolas" panose="020B0609020204030204" pitchFamily="49" charset="0"/>
-              </a:rPr>
-              <a:t>CTTG</a:t>
-            </a:r>
-            <a:endParaRPr lang="es-ES" sz="1050" b="1" dirty="0">
-              <a:latin typeface="Consolas" panose="020B0609020204030204" pitchFamily="49" charset="0"/>
-            </a:endParaRPr>
-          </a:p>
-          <a:p>
-            <a:r>
-              <a:rPr lang="es-ES" sz="1050" b="1" dirty="0">
-                <a:latin typeface="Consolas" panose="020B0609020204030204" pitchFamily="49" charset="0"/>
-              </a:rPr>
-              <a:t>                       A</a:t>
-            </a:r>
-            <a:r>
-              <a:rPr lang="es-ES" sz="1050" b="1" dirty="0">
-                <a:solidFill>
-                  <a:srgbClr val="FF0000"/>
-                </a:solidFill>
-                <a:latin typeface="Consolas" panose="020B0609020204030204" pitchFamily="49" charset="0"/>
-              </a:rPr>
-              <a:t>G</a:t>
-            </a:r>
-            <a:r>
-              <a:rPr lang="es-ES" sz="1050" b="1" dirty="0">
-                <a:latin typeface="Consolas" panose="020B0609020204030204" pitchFamily="49" charset="0"/>
-              </a:rPr>
-              <a:t>AGTG</a:t>
-            </a:r>
-            <a:r>
-              <a:rPr lang="es-ES" sz="1050" b="1" dirty="0">
-                <a:solidFill>
-                  <a:srgbClr val="FF0000"/>
-                </a:solidFill>
-                <a:latin typeface="Consolas" panose="020B0609020204030204" pitchFamily="49" charset="0"/>
-              </a:rPr>
-              <a:t>T</a:t>
-            </a:r>
-            <a:r>
-              <a:rPr lang="es-ES" sz="1050" b="1" dirty="0">
-                <a:latin typeface="Consolas" panose="020B0609020204030204" pitchFamily="49" charset="0"/>
-              </a:rPr>
-              <a:t>CTTGTGTGTGT</a:t>
-            </a:r>
-            <a:r>
-              <a:rPr lang="es-ES" sz="1050" b="1" dirty="0">
-                <a:solidFill>
-                  <a:srgbClr val="FF0000"/>
-                </a:solidFill>
-                <a:latin typeface="Consolas" panose="020B0609020204030204" pitchFamily="49" charset="0"/>
-              </a:rPr>
-              <a:t>C</a:t>
-            </a:r>
-            <a:r>
-              <a:rPr lang="es-ES" sz="1050" b="1" dirty="0">
-                <a:latin typeface="Consolas" panose="020B0609020204030204" pitchFamily="49" charset="0"/>
-              </a:rPr>
-              <a:t>CAAAATCGGC</a:t>
-            </a:r>
-            <a:endParaRPr lang="es-ES" sz="1050" b="1" dirty="0">
-              <a:latin typeface="Consolas" panose="020B0609020204030204" pitchFamily="49" charset="0"/>
-            </a:endParaRPr>
-          </a:p>
-          <a:p>
-            <a:r>
-              <a:rPr lang="es-ES" sz="1050" b="1" dirty="0">
-                <a:latin typeface="Consolas" panose="020B0609020204030204" pitchFamily="49" charset="0"/>
-              </a:rPr>
-              <a:t>                     TGCA</a:t>
-            </a:r>
-            <a:r>
-              <a:rPr lang="es-ES" sz="1050" b="1" dirty="0">
-                <a:solidFill>
-                  <a:srgbClr val="FF0000"/>
-                </a:solidFill>
-                <a:latin typeface="Consolas" panose="020B0609020204030204" pitchFamily="49" charset="0"/>
-              </a:rPr>
-              <a:t>G</a:t>
-            </a:r>
-            <a:r>
-              <a:rPr lang="es-ES" sz="1050" b="1" dirty="0">
-                <a:latin typeface="Consolas" panose="020B0609020204030204" pitchFamily="49" charset="0"/>
-              </a:rPr>
-              <a:t>AGTGACTTG</a:t>
-            </a:r>
-            <a:r>
-              <a:rPr lang="es-ES" sz="1050" b="1" dirty="0">
-                <a:solidFill>
-                  <a:srgbClr val="FF0000"/>
-                </a:solidFill>
-                <a:latin typeface="Consolas" panose="020B0609020204030204" pitchFamily="49" charset="0"/>
-              </a:rPr>
-              <a:t>A</a:t>
-            </a:r>
-            <a:r>
-              <a:rPr lang="es-ES" sz="1050" b="1" dirty="0">
-                <a:latin typeface="Consolas" panose="020B0609020204030204" pitchFamily="49" charset="0"/>
-              </a:rPr>
-              <a:t>GTGTGTACAAAATCG</a:t>
-            </a:r>
-            <a:endParaRPr lang="es-ES" sz="1050" b="1" dirty="0">
-              <a:latin typeface="Consolas" panose="020B0609020204030204" pitchFamily="49" charset="0"/>
-            </a:endParaRPr>
-          </a:p>
-          <a:p>
-            <a:r>
-              <a:rPr lang="es-ES" sz="1050" b="1" dirty="0">
-                <a:latin typeface="Consolas" panose="020B0609020204030204" pitchFamily="49" charset="0"/>
-              </a:rPr>
-              <a:t>        TCGATACTGGCTTTGCACAGTGACTTGTGTGTGTACAAAATCGGCTA </a:t>
+              <a:rPr lang="es-ES" sz="1050" b="1">
+                <a:latin typeface="Consolas" panose="020B0609020204030204" pitchFamily="49" charset="0"/>
+              </a:rPr>
+              <a:t>       </a:t>
+            </a:r>
+            <a:r>
+              <a:rPr lang="es-ES" sz="1050" b="1" smtClean="0">
+                <a:latin typeface="Consolas" panose="020B0609020204030204" pitchFamily="49" charset="0"/>
+              </a:rPr>
+              <a:t>TCGATACTGGCTTTGCACAGTGACTTGTGTGTGTACAAAATCGGCTA </a:t>
             </a:r>
             <a:endParaRPr lang="es-ES" sz="1050" dirty="0">
               <a:latin typeface="Consolas" panose="020B0609020204030204" pitchFamily="49" charset="0"/>
@@ -5358,9 +5238,6 @@
               </a:rPr>
               <a:t>     ACTGGCTTTGCACAGTGACTTGTGTGTGTACAAAATCGGC</a:t>
             </a:r>
-            <a:endParaRPr lang="es-ES" sz="1050" b="1" dirty="0">
-              <a:latin typeface="Consolas" panose="020B0609020204030204" pitchFamily="49" charset="0"/>
-            </a:endParaRPr>
           </a:p>
           <a:p>
             <a:r>
@@ -5369,9 +5246,6 @@
               </a:rPr>
               <a:t>     ACTGGCTTTGCACAGTGACTTGTGTGTGTACAAAATCGGC</a:t>
             </a:r>
-            <a:endParaRPr lang="es-ES" sz="1050" b="1" dirty="0">
-              <a:latin typeface="Consolas" panose="020B0609020204030204" pitchFamily="49" charset="0"/>
-            </a:endParaRPr>
           </a:p>
           <a:p>
             <a:r>
@@ -5380,9 +5254,6 @@
               </a:rPr>
               <a:t>     ACTGGCTTTGCACAGTGACTTGTGTGTGTACAAAATCGGC</a:t>
             </a:r>
-            <a:endParaRPr lang="es-ES" sz="1050" b="1" dirty="0">
-              <a:latin typeface="Consolas" panose="020B0609020204030204" pitchFamily="49" charset="0"/>
-            </a:endParaRPr>
           </a:p>
           <a:p>
             <a:r>
@@ -5421,9 +5292,6 @@
               </a:rPr>
               <a:t>CTTG</a:t>
             </a:r>
-            <a:endParaRPr lang="es-ES" sz="1050" b="1" dirty="0">
-              <a:latin typeface="Consolas" panose="020B0609020204030204" pitchFamily="49" charset="0"/>
-            </a:endParaRPr>
           </a:p>
           <a:p>
             <a:r>
@@ -5477,9 +5345,6 @@
               </a:rPr>
               <a:t>CAAAATCGGC</a:t>
             </a:r>
-            <a:endParaRPr lang="es-ES" sz="1050" b="1" dirty="0">
-              <a:latin typeface="Consolas" panose="020B0609020204030204" pitchFamily="49" charset="0"/>
-            </a:endParaRPr>
           </a:p>
           <a:p>
             <a:r>
@@ -5518,9 +5383,6 @@
               </a:rPr>
               <a:t>GTGTGTACAAAATCG</a:t>
             </a:r>
-            <a:endParaRPr lang="es-ES" sz="1050" b="1" dirty="0">
-              <a:latin typeface="Consolas" panose="020B0609020204030204" pitchFamily="49" charset="0"/>
-            </a:endParaRPr>
           </a:p>
         </p:txBody>
       </p:sp>
